--- a/POI Pointer – team65.pptx
+++ b/POI Pointer – team65.pptx
@@ -481,6 +481,426 @@
     </a:lvl9pPr>
   </p:notesStyle>
 </p:notesMaster>
+</file>
+
+<file path=ppt/notesSlides/notesSlide1.xml><?xml version="1.0" encoding="utf-8"?>
+<p:notes xmlns:a="http://schemas.openxmlformats.org/drawingml/2006/main" xmlns:r="http://schemas.openxmlformats.org/officeDocument/2006/relationships" xmlns:p="http://schemas.openxmlformats.org/presentationml/2006/main">
+  <p:cSld>
+    <p:spTree>
+      <p:nvGrpSpPr>
+        <p:cNvPr id="1" name=""/>
+        <p:cNvGrpSpPr/>
+        <p:nvPr/>
+      </p:nvGrpSpPr>
+      <p:grpSpPr>
+        <a:xfrm>
+          <a:off x="0" y="0"/>
+          <a:ext cx="0" cy="0"/>
+          <a:chOff x="0" y="0"/>
+          <a:chExt cx="0" cy="0"/>
+        </a:xfrm>
+      </p:grpSpPr>
+      <p:sp>
+        <p:nvSpPr>
+          <p:cNvPr id="2" name="Espace réservé de l'image des diapositives 1"/>
+          <p:cNvSpPr>
+            <a:spLocks noGrp="1" noRot="1" noChangeAspect="1"/>
+          </p:cNvSpPr>
+          <p:nvPr>
+            <p:ph type="sldImg"/>
+          </p:nvPr>
+        </p:nvSpPr>
+        <p:spPr/>
+      </p:sp>
+      <p:sp>
+        <p:nvSpPr>
+          <p:cNvPr id="3" name="Espace réservé des commentaires 2"/>
+          <p:cNvSpPr>
+            <a:spLocks noGrp="1"/>
+          </p:cNvSpPr>
+          <p:nvPr>
+            <p:ph type="body" idx="1"/>
+          </p:nvPr>
+        </p:nvSpPr>
+        <p:spPr/>
+        <p:txBody>
+          <a:bodyPr/>
+          <a:lstStyle/>
+          <a:p>
+            <a:endParaRPr lang="fr-BE"/>
+          </a:p>
+        </p:txBody>
+      </p:sp>
+      <p:sp>
+        <p:nvSpPr>
+          <p:cNvPr id="4" name="Espace réservé du numéro de diapositive 3"/>
+          <p:cNvSpPr>
+            <a:spLocks noGrp="1"/>
+          </p:cNvSpPr>
+          <p:nvPr>
+            <p:ph type="sldNum" sz="quarter" idx="10"/>
+          </p:nvPr>
+        </p:nvSpPr>
+        <p:spPr/>
+        <p:txBody>
+          <a:bodyPr/>
+          <a:lstStyle/>
+          <a:p>
+            <a:fld id="{419240F5-F130-4E9E-9FB9-E8330317684D}" type="slidenum">
+              <a:rPr lang="fr-BE" smtClean="0"/>
+              <a:t>1</a:t>
+            </a:fld>
+            <a:endParaRPr lang="fr-BE"/>
+          </a:p>
+        </p:txBody>
+      </p:sp>
+    </p:spTree>
+    <p:extLst>
+      <p:ext uri="{BB962C8B-B14F-4D97-AF65-F5344CB8AC3E}">
+        <p14:creationId xmlns:p14="http://schemas.microsoft.com/office/powerpoint/2010/main" val="332881526"/>
+      </p:ext>
+    </p:extLst>
+  </p:cSld>
+  <p:clrMapOvr>
+    <a:masterClrMapping/>
+  </p:clrMapOvr>
+</p:notes>
+</file>
+
+<file path=ppt/notesSlides/notesSlide2.xml><?xml version="1.0" encoding="utf-8"?>
+<p:notes xmlns:a="http://schemas.openxmlformats.org/drawingml/2006/main" xmlns:r="http://schemas.openxmlformats.org/officeDocument/2006/relationships" xmlns:p="http://schemas.openxmlformats.org/presentationml/2006/main">
+  <p:cSld>
+    <p:spTree>
+      <p:nvGrpSpPr>
+        <p:cNvPr id="1" name=""/>
+        <p:cNvGrpSpPr/>
+        <p:nvPr/>
+      </p:nvGrpSpPr>
+      <p:grpSpPr>
+        <a:xfrm>
+          <a:off x="0" y="0"/>
+          <a:ext cx="0" cy="0"/>
+          <a:chOff x="0" y="0"/>
+          <a:chExt cx="0" cy="0"/>
+        </a:xfrm>
+      </p:grpSpPr>
+      <p:sp>
+        <p:nvSpPr>
+          <p:cNvPr id="2" name="Espace réservé de l'image des diapositives 1"/>
+          <p:cNvSpPr>
+            <a:spLocks noGrp="1" noRot="1" noChangeAspect="1"/>
+          </p:cNvSpPr>
+          <p:nvPr>
+            <p:ph type="sldImg"/>
+          </p:nvPr>
+        </p:nvSpPr>
+        <p:spPr/>
+      </p:sp>
+      <p:sp>
+        <p:nvSpPr>
+          <p:cNvPr id="3" name="Espace réservé des commentaires 2"/>
+          <p:cNvSpPr>
+            <a:spLocks noGrp="1"/>
+          </p:cNvSpPr>
+          <p:nvPr>
+            <p:ph type="body" idx="1"/>
+          </p:nvPr>
+        </p:nvSpPr>
+        <p:spPr/>
+        <p:txBody>
+          <a:bodyPr/>
+          <a:lstStyle/>
+          <a:p>
+            <a:endParaRPr lang="fr-BE"/>
+          </a:p>
+        </p:txBody>
+      </p:sp>
+      <p:sp>
+        <p:nvSpPr>
+          <p:cNvPr id="4" name="Espace réservé du numéro de diapositive 3"/>
+          <p:cNvSpPr>
+            <a:spLocks noGrp="1"/>
+          </p:cNvSpPr>
+          <p:nvPr>
+            <p:ph type="sldNum" sz="quarter" idx="10"/>
+          </p:nvPr>
+        </p:nvSpPr>
+        <p:spPr/>
+        <p:txBody>
+          <a:bodyPr/>
+          <a:lstStyle/>
+          <a:p>
+            <a:fld id="{419240F5-F130-4E9E-9FB9-E8330317684D}" type="slidenum">
+              <a:rPr lang="fr-BE" smtClean="0"/>
+              <a:t>2</a:t>
+            </a:fld>
+            <a:endParaRPr lang="fr-BE"/>
+          </a:p>
+        </p:txBody>
+      </p:sp>
+    </p:spTree>
+    <p:extLst>
+      <p:ext uri="{BB962C8B-B14F-4D97-AF65-F5344CB8AC3E}">
+        <p14:creationId xmlns:p14="http://schemas.microsoft.com/office/powerpoint/2010/main" val="871635758"/>
+      </p:ext>
+    </p:extLst>
+  </p:cSld>
+  <p:clrMapOvr>
+    <a:masterClrMapping/>
+  </p:clrMapOvr>
+</p:notes>
+</file>
+
+<file path=ppt/notesSlides/notesSlide3.xml><?xml version="1.0" encoding="utf-8"?>
+<p:notes xmlns:a="http://schemas.openxmlformats.org/drawingml/2006/main" xmlns:r="http://schemas.openxmlformats.org/officeDocument/2006/relationships" xmlns:p="http://schemas.openxmlformats.org/presentationml/2006/main">
+  <p:cSld>
+    <p:spTree>
+      <p:nvGrpSpPr>
+        <p:cNvPr id="1" name=""/>
+        <p:cNvGrpSpPr/>
+        <p:nvPr/>
+      </p:nvGrpSpPr>
+      <p:grpSpPr>
+        <a:xfrm>
+          <a:off x="0" y="0"/>
+          <a:ext cx="0" cy="0"/>
+          <a:chOff x="0" y="0"/>
+          <a:chExt cx="0" cy="0"/>
+        </a:xfrm>
+      </p:grpSpPr>
+      <p:sp>
+        <p:nvSpPr>
+          <p:cNvPr id="2" name="Espace réservé de l'image des diapositives 1"/>
+          <p:cNvSpPr>
+            <a:spLocks noGrp="1" noRot="1" noChangeAspect="1"/>
+          </p:cNvSpPr>
+          <p:nvPr>
+            <p:ph type="sldImg"/>
+          </p:nvPr>
+        </p:nvSpPr>
+        <p:spPr/>
+      </p:sp>
+      <p:sp>
+        <p:nvSpPr>
+          <p:cNvPr id="3" name="Espace réservé des commentaires 2"/>
+          <p:cNvSpPr>
+            <a:spLocks noGrp="1"/>
+          </p:cNvSpPr>
+          <p:nvPr>
+            <p:ph type="body" idx="1"/>
+          </p:nvPr>
+        </p:nvSpPr>
+        <p:spPr/>
+        <p:txBody>
+          <a:bodyPr/>
+          <a:lstStyle/>
+          <a:p>
+            <a:endParaRPr lang="fr-BE"/>
+          </a:p>
+        </p:txBody>
+      </p:sp>
+      <p:sp>
+        <p:nvSpPr>
+          <p:cNvPr id="4" name="Espace réservé du numéro de diapositive 3"/>
+          <p:cNvSpPr>
+            <a:spLocks noGrp="1"/>
+          </p:cNvSpPr>
+          <p:nvPr>
+            <p:ph type="sldNum" sz="quarter" idx="10"/>
+          </p:nvPr>
+        </p:nvSpPr>
+        <p:spPr/>
+        <p:txBody>
+          <a:bodyPr/>
+          <a:lstStyle/>
+          <a:p>
+            <a:fld id="{419240F5-F130-4E9E-9FB9-E8330317684D}" type="slidenum">
+              <a:rPr lang="fr-BE" smtClean="0"/>
+              <a:t>3</a:t>
+            </a:fld>
+            <a:endParaRPr lang="fr-BE"/>
+          </a:p>
+        </p:txBody>
+      </p:sp>
+    </p:spTree>
+    <p:extLst>
+      <p:ext uri="{BB962C8B-B14F-4D97-AF65-F5344CB8AC3E}">
+        <p14:creationId xmlns:p14="http://schemas.microsoft.com/office/powerpoint/2010/main" val="1807331220"/>
+      </p:ext>
+    </p:extLst>
+  </p:cSld>
+  <p:clrMapOvr>
+    <a:masterClrMapping/>
+  </p:clrMapOvr>
+</p:notes>
+</file>
+
+<file path=ppt/notesSlides/notesSlide4.xml><?xml version="1.0" encoding="utf-8"?>
+<p:notes xmlns:a="http://schemas.openxmlformats.org/drawingml/2006/main" xmlns:r="http://schemas.openxmlformats.org/officeDocument/2006/relationships" xmlns:p="http://schemas.openxmlformats.org/presentationml/2006/main">
+  <p:cSld>
+    <p:spTree>
+      <p:nvGrpSpPr>
+        <p:cNvPr id="1" name=""/>
+        <p:cNvGrpSpPr/>
+        <p:nvPr/>
+      </p:nvGrpSpPr>
+      <p:grpSpPr>
+        <a:xfrm>
+          <a:off x="0" y="0"/>
+          <a:ext cx="0" cy="0"/>
+          <a:chOff x="0" y="0"/>
+          <a:chExt cx="0" cy="0"/>
+        </a:xfrm>
+      </p:grpSpPr>
+      <p:sp>
+        <p:nvSpPr>
+          <p:cNvPr id="2" name="Espace réservé de l'image des diapositives 1"/>
+          <p:cNvSpPr>
+            <a:spLocks noGrp="1" noRot="1" noChangeAspect="1"/>
+          </p:cNvSpPr>
+          <p:nvPr>
+            <p:ph type="sldImg"/>
+          </p:nvPr>
+        </p:nvSpPr>
+        <p:spPr/>
+      </p:sp>
+      <p:sp>
+        <p:nvSpPr>
+          <p:cNvPr id="3" name="Espace réservé des commentaires 2"/>
+          <p:cNvSpPr>
+            <a:spLocks noGrp="1"/>
+          </p:cNvSpPr>
+          <p:nvPr>
+            <p:ph type="body" idx="1"/>
+          </p:nvPr>
+        </p:nvSpPr>
+        <p:spPr/>
+        <p:txBody>
+          <a:bodyPr/>
+          <a:lstStyle/>
+          <a:p>
+            <a:endParaRPr lang="fr-BE"/>
+          </a:p>
+        </p:txBody>
+      </p:sp>
+      <p:sp>
+        <p:nvSpPr>
+          <p:cNvPr id="4" name="Espace réservé du numéro de diapositive 3"/>
+          <p:cNvSpPr>
+            <a:spLocks noGrp="1"/>
+          </p:cNvSpPr>
+          <p:nvPr>
+            <p:ph type="sldNum" sz="quarter" idx="10"/>
+          </p:nvPr>
+        </p:nvSpPr>
+        <p:spPr/>
+        <p:txBody>
+          <a:bodyPr/>
+          <a:lstStyle/>
+          <a:p>
+            <a:fld id="{419240F5-F130-4E9E-9FB9-E8330317684D}" type="slidenum">
+              <a:rPr lang="fr-BE" smtClean="0"/>
+              <a:t>4</a:t>
+            </a:fld>
+            <a:endParaRPr lang="fr-BE"/>
+          </a:p>
+        </p:txBody>
+      </p:sp>
+    </p:spTree>
+    <p:extLst>
+      <p:ext uri="{BB962C8B-B14F-4D97-AF65-F5344CB8AC3E}">
+        <p14:creationId xmlns:p14="http://schemas.microsoft.com/office/powerpoint/2010/main" val="2331073624"/>
+      </p:ext>
+    </p:extLst>
+  </p:cSld>
+  <p:clrMapOvr>
+    <a:masterClrMapping/>
+  </p:clrMapOvr>
+</p:notes>
+</file>
+
+<file path=ppt/notesSlides/notesSlide5.xml><?xml version="1.0" encoding="utf-8"?>
+<p:notes xmlns:a="http://schemas.openxmlformats.org/drawingml/2006/main" xmlns:r="http://schemas.openxmlformats.org/officeDocument/2006/relationships" xmlns:p="http://schemas.openxmlformats.org/presentationml/2006/main">
+  <p:cSld>
+    <p:spTree>
+      <p:nvGrpSpPr>
+        <p:cNvPr id="1" name=""/>
+        <p:cNvGrpSpPr/>
+        <p:nvPr/>
+      </p:nvGrpSpPr>
+      <p:grpSpPr>
+        <a:xfrm>
+          <a:off x="0" y="0"/>
+          <a:ext cx="0" cy="0"/>
+          <a:chOff x="0" y="0"/>
+          <a:chExt cx="0" cy="0"/>
+        </a:xfrm>
+      </p:grpSpPr>
+      <p:sp>
+        <p:nvSpPr>
+          <p:cNvPr id="2" name="Espace réservé de l'image des diapositives 1"/>
+          <p:cNvSpPr>
+            <a:spLocks noGrp="1" noRot="1" noChangeAspect="1"/>
+          </p:cNvSpPr>
+          <p:nvPr>
+            <p:ph type="sldImg"/>
+          </p:nvPr>
+        </p:nvSpPr>
+        <p:spPr/>
+      </p:sp>
+      <p:sp>
+        <p:nvSpPr>
+          <p:cNvPr id="3" name="Espace réservé des commentaires 2"/>
+          <p:cNvSpPr>
+            <a:spLocks noGrp="1"/>
+          </p:cNvSpPr>
+          <p:nvPr>
+            <p:ph type="body" idx="1"/>
+          </p:nvPr>
+        </p:nvSpPr>
+        <p:spPr/>
+        <p:txBody>
+          <a:bodyPr/>
+          <a:lstStyle/>
+          <a:p>
+            <a:endParaRPr lang="fr-BE"/>
+          </a:p>
+        </p:txBody>
+      </p:sp>
+      <p:sp>
+        <p:nvSpPr>
+          <p:cNvPr id="4" name="Espace réservé du numéro de diapositive 3"/>
+          <p:cNvSpPr>
+            <a:spLocks noGrp="1"/>
+          </p:cNvSpPr>
+          <p:nvPr>
+            <p:ph type="sldNum" sz="quarter" idx="10"/>
+          </p:nvPr>
+        </p:nvSpPr>
+        <p:spPr/>
+        <p:txBody>
+          <a:bodyPr/>
+          <a:lstStyle/>
+          <a:p>
+            <a:fld id="{419240F5-F130-4E9E-9FB9-E8330317684D}" type="slidenum">
+              <a:rPr lang="fr-BE" smtClean="0"/>
+              <a:t>5</a:t>
+            </a:fld>
+            <a:endParaRPr lang="fr-BE"/>
+          </a:p>
+        </p:txBody>
+      </p:sp>
+    </p:spTree>
+    <p:extLst>
+      <p:ext uri="{BB962C8B-B14F-4D97-AF65-F5344CB8AC3E}">
+        <p14:creationId xmlns:p14="http://schemas.microsoft.com/office/powerpoint/2010/main" val="1570902965"/>
+      </p:ext>
+    </p:extLst>
+  </p:cSld>
+  <p:clrMapOvr>
+    <a:masterClrMapping/>
+  </p:clrMapOvr>
+</p:notes>
 </file>
 
 <file path=ppt/slideLayouts/slideLayout1.xml><?xml version="1.0" encoding="utf-8"?>
@@ -3561,7 +3981,7 @@
         <p:spPr>
           <a:xfrm>
             <a:off x="1371600" y="4462264"/>
-            <a:ext cx="6400800" cy="1631032"/>
+            <a:ext cx="6400800" cy="1919064"/>
           </a:xfrm>
         </p:spPr>
         <p:txBody>
@@ -3573,44 +3993,25 @@
             <a:pPr fontAlgn="base"/>
             <a:r>
               <a:rPr lang="fr-BE" sz="2000" dirty="0" smtClean="0">
-                <a:hlinkClick r:id="rId2"/>
+                <a:hlinkClick r:id="rId3"/>
               </a:rPr>
               <a:t>@</a:t>
             </a:r>
             <a:r>
               <a:rPr lang="fr-BE" sz="2000" dirty="0" err="1">
-                <a:hlinkClick r:id="rId2"/>
+                <a:hlinkClick r:id="rId3"/>
               </a:rPr>
               <a:t>CerealKill</a:t>
             </a:r>
-            <a:r>
-              <a:rPr lang="fr-BE" sz="2000" dirty="0">
-                <a:hlinkClick r:id="rId2"/>
-              </a:rPr>
-              <a:t>-R</a:t>
-            </a:r>
-            <a:r>
-              <a:rPr lang="fr-BE" sz="2000" dirty="0"/>
-              <a:t> – Julien Remy</a:t>
-            </a:r>
-          </a:p>
-          <a:p>
-            <a:pPr fontAlgn="base"/>
             <a:r>
               <a:rPr lang="fr-BE" sz="2000" dirty="0">
                 <a:hlinkClick r:id="rId3"/>
               </a:rPr>
-              <a:t>@</a:t>
-            </a:r>
-            <a:r>
-              <a:rPr lang="fr-BE" sz="2000" dirty="0" err="1">
-                <a:hlinkClick r:id="rId3"/>
-              </a:rPr>
-              <a:t>cyrillef</a:t>
+              <a:t>-R</a:t>
             </a:r>
             <a:r>
               <a:rPr lang="fr-BE" sz="2000" dirty="0"/>
-              <a:t> – Cyrille, Autodesk</a:t>
+              <a:t> – Julien Remy</a:t>
             </a:r>
           </a:p>
           <a:p>
@@ -3625,25 +4026,12 @@
               <a:rPr lang="fr-BE" sz="2000" dirty="0" err="1">
                 <a:hlinkClick r:id="rId4"/>
               </a:rPr>
-              <a:t>djodjoni</a:t>
+              <a:t>cyrillef</a:t>
             </a:r>
             <a:r>
               <a:rPr lang="fr-BE" sz="2000" dirty="0"/>
-              <a:t> – </a:t>
-            </a:r>
-            <a:r>
-              <a:rPr lang="fr-BE" sz="2000" dirty="0" err="1"/>
-              <a:t>Kalin</a:t>
-            </a:r>
-            <a:r>
-              <a:rPr lang="fr-BE" sz="2000" dirty="0"/>
-              <a:t> </a:t>
-            </a:r>
-            <a:r>
-              <a:rPr lang="fr-BE" sz="2000" dirty="0" err="1"/>
-              <a:t>Maldzhanski</a:t>
-            </a:r>
-            <a:endParaRPr lang="fr-BE" sz="2000" dirty="0"/>
+              <a:t> – Cyrille, Autodesk</a:t>
+            </a:r>
           </a:p>
           <a:p>
             <a:pPr fontAlgn="base"/>
@@ -3651,6 +4039,38 @@
               <a:rPr lang="fr-BE" sz="2000" dirty="0">
                 <a:hlinkClick r:id="rId5"/>
               </a:rPr>
+              <a:t>@</a:t>
+            </a:r>
+            <a:r>
+              <a:rPr lang="fr-BE" sz="2000" dirty="0" err="1">
+                <a:hlinkClick r:id="rId5"/>
+              </a:rPr>
+              <a:t>djodjoni</a:t>
+            </a:r>
+            <a:r>
+              <a:rPr lang="fr-BE" sz="2000" dirty="0"/>
+              <a:t> – </a:t>
+            </a:r>
+            <a:r>
+              <a:rPr lang="fr-BE" sz="2000" dirty="0" err="1"/>
+              <a:t>Kalin</a:t>
+            </a:r>
+            <a:r>
+              <a:rPr lang="fr-BE" sz="2000" dirty="0"/>
+              <a:t> </a:t>
+            </a:r>
+            <a:r>
+              <a:rPr lang="fr-BE" sz="2000" dirty="0" err="1"/>
+              <a:t>Maldzhanski</a:t>
+            </a:r>
+            <a:endParaRPr lang="fr-BE" sz="2000" dirty="0"/>
+          </a:p>
+          <a:p>
+            <a:pPr fontAlgn="base"/>
+            <a:r>
+              <a:rPr lang="fr-BE" sz="2000" dirty="0">
+                <a:hlinkClick r:id="rId6"/>
+              </a:rPr>
               <a:t>@flyos777</a:t>
             </a:r>
             <a:r>
@@ -3661,6 +4081,42 @@
               <a:rPr lang="fr-BE" sz="2000" dirty="0" err="1" smtClean="0"/>
               <a:t>Roelandt</a:t>
             </a:r>
+            <a:endParaRPr lang="fr-BE" sz="2000" dirty="0" smtClean="0"/>
+          </a:p>
+          <a:p>
+            <a:pPr fontAlgn="base"/>
+            <a:r>
+              <a:rPr lang="en-US" sz="2000" dirty="0">
+                <a:hlinkClick r:id="rId7"/>
+              </a:rPr>
+              <a:t>@</a:t>
+            </a:r>
+            <a:r>
+              <a:rPr lang="en-US" sz="2000" dirty="0" err="1">
+                <a:hlinkClick r:id="rId7"/>
+              </a:rPr>
+              <a:t>jeremytammik</a:t>
+            </a:r>
+            <a:r>
+              <a:rPr lang="en-US" sz="2000" dirty="0"/>
+              <a:t> – Jeremy </a:t>
+            </a:r>
+            <a:r>
+              <a:rPr lang="en-US" sz="2000" dirty="0" err="1"/>
+              <a:t>Tammik</a:t>
+            </a:r>
+            <a:r>
+              <a:rPr lang="en-US" sz="2000" dirty="0"/>
+              <a:t>, </a:t>
+            </a:r>
+            <a:r>
+              <a:rPr lang="en-US" sz="2000" dirty="0" smtClean="0"/>
+              <a:t>Autodesk</a:t>
+            </a:r>
+            <a:endParaRPr lang="en-US" sz="2000" dirty="0"/>
+          </a:p>
+          <a:p>
+            <a:pPr fontAlgn="base"/>
             <a:endParaRPr lang="fr-BE" sz="2000" dirty="0"/>
           </a:p>
         </p:txBody>
@@ -3688,7 +4144,7 @@
           <a:p>
             <a:r>
               <a:rPr lang="fr-BE" dirty="0" smtClean="0">
-                <a:hlinkClick r:id="rId6"/>
+                <a:hlinkClick r:id="rId8"/>
               </a:rPr>
               <a:t>http://poipointer.github.io/</a:t>
             </a:r>
@@ -3705,7 +4161,7 @@
           <p:nvPr/>
         </p:nvPicPr>
         <p:blipFill rotWithShape="1">
-          <a:blip r:embed="rId7" cstate="print">
+          <a:blip r:embed="rId9" cstate="print">
             <a:extLst>
               <a:ext uri="{28A0092B-C50C-407E-A947-70E740481C1C}">
                 <a14:useLocalDpi xmlns:a14="http://schemas.microsoft.com/office/drawing/2010/main" val="0"/>
@@ -3827,11 +4283,11 @@
           <p:nvPr/>
         </p:nvPicPr>
         <p:blipFill>
-          <a:blip r:embed="rId2" cstate="print">
+          <a:blip r:embed="rId3" cstate="print">
             <a:extLst>
               <a:ext uri="{BEBA8EAE-BF5A-486C-A8C5-ECC9F3942E4B}">
                 <a14:imgProps xmlns:a14="http://schemas.microsoft.com/office/drawing/2010/main">
-                  <a14:imgLayer r:embed="rId3">
+                  <a14:imgLayer r:embed="rId4">
                     <a14:imgEffect>
                       <a14:artisticBlur radius="65"/>
                     </a14:imgEffect>
@@ -4585,7 +5041,7 @@
           <p:nvPr/>
         </p:nvPicPr>
         <p:blipFill>
-          <a:blip r:embed="rId2" cstate="print">
+          <a:blip r:embed="rId3" cstate="print">
             <a:extLst>
               <a:ext uri="{28A0092B-C50C-407E-A947-70E740481C1C}">
                 <a14:useLocalDpi xmlns:a14="http://schemas.microsoft.com/office/drawing/2010/main" val="0"/>
@@ -4626,7 +5082,7 @@
           <p:nvPr/>
         </p:nvPicPr>
         <p:blipFill>
-          <a:blip r:embed="rId3" cstate="print">
+          <a:blip r:embed="rId4" cstate="print">
             <a:extLst>
               <a:ext uri="{28A0092B-C50C-407E-A947-70E740481C1C}">
                 <a14:useLocalDpi xmlns:a14="http://schemas.microsoft.com/office/drawing/2010/main" val="0"/>
@@ -4667,7 +5123,7 @@
           <p:nvPr/>
         </p:nvPicPr>
         <p:blipFill>
-          <a:blip r:embed="rId4" cstate="print">
+          <a:blip r:embed="rId5" cstate="print">
             <a:extLst>
               <a:ext uri="{28A0092B-C50C-407E-A947-70E740481C1C}">
                 <a14:useLocalDpi xmlns:a14="http://schemas.microsoft.com/office/drawing/2010/main" val="0"/>
@@ -4708,7 +5164,7 @@
           <p:nvPr/>
         </p:nvPicPr>
         <p:blipFill>
-          <a:blip r:embed="rId5" cstate="print">
+          <a:blip r:embed="rId6" cstate="print">
             <a:extLst>
               <a:ext uri="{28A0092B-C50C-407E-A947-70E740481C1C}">
                 <a14:useLocalDpi xmlns:a14="http://schemas.microsoft.com/office/drawing/2010/main" val="0"/>
@@ -4867,7 +5323,7 @@
           <p:nvPr/>
         </p:nvPicPr>
         <p:blipFill>
-          <a:blip r:embed="rId6" cstate="print">
+          <a:blip r:embed="rId7" cstate="print">
             <a:extLst>
               <a:ext uri="{28A0092B-C50C-407E-A947-70E740481C1C}">
                 <a14:useLocalDpi xmlns:a14="http://schemas.microsoft.com/office/drawing/2010/main" val="0"/>
@@ -4926,6 +5382,68 @@
               <a:t>Fountains</a:t>
             </a:r>
             <a:endParaRPr lang="fr-BE" sz="2400" dirty="0" smtClean="0"/>
+          </a:p>
+        </p:txBody>
+      </p:sp>
+      <p:sp>
+        <p:nvSpPr>
+          <p:cNvPr id="3" name="ZoneTexte 2"/>
+          <p:cNvSpPr txBox="1"/>
+          <p:nvPr/>
+        </p:nvSpPr>
+        <p:spPr>
+          <a:xfrm>
+            <a:off x="683568" y="5229200"/>
+            <a:ext cx="7509965" cy="369332"/>
+          </a:xfrm>
+          <a:prstGeom prst="rect">
+            <a:avLst/>
+          </a:prstGeom>
+          <a:noFill/>
+        </p:spPr>
+        <p:txBody>
+          <a:bodyPr wrap="square" rtlCol="0">
+            <a:spAutoFit/>
+          </a:bodyPr>
+          <a:lstStyle/>
+          <a:p>
+            <a:r>
+              <a:rPr lang="fr-BE" dirty="0" smtClean="0"/>
+              <a:t>7 </a:t>
+            </a:r>
+            <a:r>
+              <a:rPr lang="fr-BE" dirty="0" err="1" smtClean="0"/>
+              <a:t>datasets</a:t>
+            </a:r>
+            <a:r>
+              <a:rPr lang="fr-BE" dirty="0" smtClean="0"/>
+              <a:t> in total : 6 </a:t>
+            </a:r>
+            <a:r>
+              <a:rPr lang="fr-BE" dirty="0" err="1" smtClean="0"/>
+              <a:t>from</a:t>
+            </a:r>
+            <a:r>
+              <a:rPr lang="fr-BE" dirty="0" smtClean="0"/>
+              <a:t> the </a:t>
+            </a:r>
+            <a:r>
+              <a:rPr lang="fr-BE" dirty="0" err="1" smtClean="0"/>
+              <a:t>Region</a:t>
+            </a:r>
+            <a:r>
+              <a:rPr lang="fr-BE" dirty="0" smtClean="0"/>
+              <a:t> and 1 </a:t>
+            </a:r>
+            <a:r>
+              <a:rPr lang="fr-BE" dirty="0" err="1" smtClean="0"/>
+              <a:t>from</a:t>
+            </a:r>
+            <a:r>
+              <a:rPr lang="fr-BE" dirty="0" smtClean="0"/>
+              <a:t> URBIS</a:t>
+            </a:r>
+            <a:endParaRPr lang="fr-BE" dirty="0"/>
           </a:p>
         </p:txBody>
       </p:sp>
